--- a/scenario1/T101389-Scenario1-v20210920.pptx
+++ b/scenario1/T101389-Scenario1-v20210920.pptx
@@ -15,8 +15,11 @@
     <p:sldId id="263" r:id="rId9"/>
     <p:sldId id="264" r:id="rId10"/>
     <p:sldId id="265" r:id="rId11"/>
-    <p:sldId id="266" r:id="rId12"/>
-    <p:sldId id="267" r:id="rId13"/>
+    <p:sldId id="268" r:id="rId12"/>
+    <p:sldId id="269" r:id="rId13"/>
+    <p:sldId id="266" r:id="rId14"/>
+    <p:sldId id="270" r:id="rId15"/>
+    <p:sldId id="267" r:id="rId16"/>
   </p:sldIdLst>
   <p:sldSz cx="12192000" cy="6858000"/>
   <p:notesSz cx="6858000" cy="9144000"/>
@@ -3620,7 +3623,7 @@
           <a:p>
             <a:r>
               <a:rPr lang="en-US" b="1" dirty="0"/>
-              <a:t>Scenario 1: Index Dataset &amp; Enrich Catalog with Metadata Import</a:t>
+              <a:t>Scenario 1: Index Dataset &amp; Prepare Catalog</a:t>
             </a:r>
           </a:p>
         </p:txBody>
@@ -3657,10 +3660,10 @@
       </p:grpSpPr>
       <p:pic>
         <p:nvPicPr>
-          <p:cNvPr id="4" name="Picture 3">
-            <a:extLst>
-              <a:ext uri="{FF2B5EF4-FFF2-40B4-BE49-F238E27FC236}">
-                <a16:creationId xmlns:a16="http://schemas.microsoft.com/office/drawing/2014/main" id="{ED5AAB9A-EDDD-44D8-ACEB-F4D704E53C13}"/>
+          <p:cNvPr id="3" name="Picture 2">
+            <a:extLst>
+              <a:ext uri="{FF2B5EF4-FFF2-40B4-BE49-F238E27FC236}">
+                <a16:creationId xmlns:a16="http://schemas.microsoft.com/office/drawing/2014/main" id="{F6F738AE-AC7D-454D-9DA0-6929C140005B}"/>
               </a:ext>
             </a:extLst>
           </p:cNvPr>
@@ -3677,8 +3680,8 @@
         </p:blipFill>
         <p:spPr>
           <a:xfrm>
-            <a:off x="590203" y="972614"/>
-            <a:ext cx="11241087" cy="4912771"/>
+            <a:off x="204903" y="1348591"/>
+            <a:ext cx="11496647" cy="4503569"/>
           </a:xfrm>
           <a:prstGeom prst="rect">
             <a:avLst/>
@@ -3746,7 +3749,7 @@
         </p:nvSpPr>
         <p:spPr>
           <a:xfrm>
-            <a:off x="490450" y="2685011"/>
+            <a:off x="17866" y="2527069"/>
             <a:ext cx="374073" cy="290946"/>
           </a:xfrm>
           <a:prstGeom prst="rightArrow">
@@ -3798,8 +3801,8 @@
         </p:nvSpPr>
         <p:spPr>
           <a:xfrm>
-            <a:off x="7173884" y="2269375"/>
-            <a:ext cx="4330931" cy="3391592"/>
+            <a:off x="8329354" y="2385753"/>
+            <a:ext cx="3200400" cy="3391592"/>
           </a:xfrm>
           <a:prstGeom prst="rect">
             <a:avLst/>
@@ -3866,59 +3869,12 @@
           <a:chExt cx="0" cy="0"/>
         </a:xfrm>
       </p:grpSpPr>
-      <p:sp>
-        <p:nvSpPr>
-          <p:cNvPr id="6" name="TextBox 5">
-            <a:extLst>
-              <a:ext uri="{FF2B5EF4-FFF2-40B4-BE49-F238E27FC236}">
-                <a16:creationId xmlns:a16="http://schemas.microsoft.com/office/drawing/2014/main" id="{EBB52298-5DC8-495B-A05C-C8E6A6AE32DD}"/>
-              </a:ext>
-            </a:extLst>
-          </p:cNvPr>
-          <p:cNvSpPr txBox="1"/>
-          <p:nvPr/>
-        </p:nvSpPr>
-        <p:spPr>
-          <a:xfrm>
-            <a:off x="0" y="-12367"/>
-            <a:ext cx="12192000" cy="307777"/>
-          </a:xfrm>
-          <a:prstGeom prst="rect">
-            <a:avLst/>
-          </a:prstGeom>
-          <a:solidFill>
-            <a:schemeClr val="tx1"/>
-          </a:solidFill>
-        </p:spPr>
-        <p:txBody>
-          <a:bodyPr wrap="square">
-            <a:spAutoFit/>
-          </a:bodyPr>
-          <a:lstStyle/>
-          <a:p>
-            <a:r>
-              <a:rPr lang="en-US" sz="1400" b="1" dirty="0">
-                <a:solidFill>
-                  <a:schemeClr val="bg1"/>
-                </a:solidFill>
-                <a:latin typeface="-apple-system"/>
-              </a:rPr>
-              <a:t>Find the Newly Tagged Dataset: Method-2 using Visual Query</a:t>
-            </a:r>
-            <a:endParaRPr lang="en-US" sz="1400" dirty="0">
-              <a:solidFill>
-                <a:schemeClr val="bg1"/>
-              </a:solidFill>
-            </a:endParaRPr>
-          </a:p>
-        </p:txBody>
-      </p:sp>
       <p:pic>
         <p:nvPicPr>
-          <p:cNvPr id="10" name="Picture 9">
-            <a:extLst>
-              <a:ext uri="{FF2B5EF4-FFF2-40B4-BE49-F238E27FC236}">
-                <a16:creationId xmlns:a16="http://schemas.microsoft.com/office/drawing/2014/main" id="{6CDB5510-1D39-493D-ACD2-D881B73B9784}"/>
+          <p:cNvPr id="5" name="Picture 4">
+            <a:extLst>
+              <a:ext uri="{FF2B5EF4-FFF2-40B4-BE49-F238E27FC236}">
+                <a16:creationId xmlns:a16="http://schemas.microsoft.com/office/drawing/2014/main" id="{5A78AF41-336B-4CF4-A191-1BF15A7C690B}"/>
               </a:ext>
             </a:extLst>
           </p:cNvPr>
@@ -3935,27 +3891,67 @@
         </p:blipFill>
         <p:spPr>
           <a:xfrm>
-            <a:off x="1005839" y="1018078"/>
-            <a:ext cx="10562705" cy="5052557"/>
+            <a:off x="440574" y="1354552"/>
+            <a:ext cx="11479876" cy="4486163"/>
           </a:xfrm>
           <a:prstGeom prst="rect">
             <a:avLst/>
           </a:prstGeom>
-          <a:ln>
-            <a:solidFill>
-              <a:schemeClr val="bg1">
-                <a:lumMod val="50000"/>
-              </a:schemeClr>
-            </a:solidFill>
-          </a:ln>
         </p:spPr>
       </p:pic>
       <p:sp>
         <p:nvSpPr>
-          <p:cNvPr id="11" name="Arrow: Right 10">
-            <a:extLst>
-              <a:ext uri="{FF2B5EF4-FFF2-40B4-BE49-F238E27FC236}">
-                <a16:creationId xmlns:a16="http://schemas.microsoft.com/office/drawing/2014/main" id="{1A1220D7-ED27-42AC-83C0-2D9BD59986A4}"/>
+          <p:cNvPr id="6" name="TextBox 5">
+            <a:extLst>
+              <a:ext uri="{FF2B5EF4-FFF2-40B4-BE49-F238E27FC236}">
+                <a16:creationId xmlns:a16="http://schemas.microsoft.com/office/drawing/2014/main" id="{47D66788-1B9A-4FDB-A37F-F4C3D8099C7E}"/>
+              </a:ext>
+            </a:extLst>
+          </p:cNvPr>
+          <p:cNvSpPr txBox="1"/>
+          <p:nvPr/>
+        </p:nvSpPr>
+        <p:spPr>
+          <a:xfrm>
+            <a:off x="0" y="-12367"/>
+            <a:ext cx="12192000" cy="307777"/>
+          </a:xfrm>
+          <a:prstGeom prst="rect">
+            <a:avLst/>
+          </a:prstGeom>
+          <a:solidFill>
+            <a:schemeClr val="tx1"/>
+          </a:solidFill>
+        </p:spPr>
+        <p:txBody>
+          <a:bodyPr wrap="square">
+            <a:spAutoFit/>
+          </a:bodyPr>
+          <a:lstStyle/>
+          <a:p>
+            <a:r>
+              <a:rPr lang="en-US" sz="1400" b="1" dirty="0">
+                <a:solidFill>
+                  <a:schemeClr val="bg1"/>
+                </a:solidFill>
+                <a:latin typeface="-apple-system"/>
+              </a:rPr>
+              <a:t>Custom-tag the Selected Data to create a New Dataset “T101389-s1”</a:t>
+            </a:r>
+            <a:endParaRPr lang="en-US" sz="1400" dirty="0">
+              <a:solidFill>
+                <a:schemeClr val="bg1"/>
+              </a:solidFill>
+            </a:endParaRPr>
+          </a:p>
+        </p:txBody>
+      </p:sp>
+      <p:sp>
+        <p:nvSpPr>
+          <p:cNvPr id="7" name="Arrow: Right 6">
+            <a:extLst>
+              <a:ext uri="{FF2B5EF4-FFF2-40B4-BE49-F238E27FC236}">
+                <a16:creationId xmlns:a16="http://schemas.microsoft.com/office/drawing/2014/main" id="{0F7A06A6-F10B-4F98-BD01-89872AFB3F74}"/>
               </a:ext>
             </a:extLst>
           </p:cNvPr>
@@ -3964,7 +3960,7 @@
         </p:nvSpPr>
         <p:spPr>
           <a:xfrm>
-            <a:off x="748144" y="4954387"/>
+            <a:off x="5307675" y="2431473"/>
             <a:ext cx="374073" cy="290946"/>
           </a:xfrm>
           <a:prstGeom prst="rightArrow">
@@ -4005,7 +4001,7 @@
     </p:spTree>
     <p:extLst>
       <p:ext uri="{BB962C8B-B14F-4D97-AF65-F5344CB8AC3E}">
-        <p14:creationId xmlns:p14="http://schemas.microsoft.com/office/powerpoint/2010/main" val="3147731059"/>
+        <p14:creationId xmlns:p14="http://schemas.microsoft.com/office/powerpoint/2010/main" val="1755812507"/>
       </p:ext>
     </p:extLst>
   </p:cSld>
@@ -4032,59 +4028,12 @@
           <a:chExt cx="0" cy="0"/>
         </a:xfrm>
       </p:grpSpPr>
-      <p:sp>
-        <p:nvSpPr>
-          <p:cNvPr id="6" name="TextBox 5">
-            <a:extLst>
-              <a:ext uri="{FF2B5EF4-FFF2-40B4-BE49-F238E27FC236}">
-                <a16:creationId xmlns:a16="http://schemas.microsoft.com/office/drawing/2014/main" id="{EBB52298-5DC8-495B-A05C-C8E6A6AE32DD}"/>
-              </a:ext>
-            </a:extLst>
-          </p:cNvPr>
-          <p:cNvSpPr txBox="1"/>
-          <p:nvPr/>
-        </p:nvSpPr>
-        <p:spPr>
-          <a:xfrm>
-            <a:off x="0" y="-12367"/>
-            <a:ext cx="12192000" cy="307777"/>
-          </a:xfrm>
-          <a:prstGeom prst="rect">
-            <a:avLst/>
-          </a:prstGeom>
-          <a:solidFill>
-            <a:schemeClr val="tx1"/>
-          </a:solidFill>
-        </p:spPr>
-        <p:txBody>
-          <a:bodyPr wrap="square">
-            <a:spAutoFit/>
-          </a:bodyPr>
-          <a:lstStyle/>
-          <a:p>
-            <a:r>
-              <a:rPr lang="en-US" sz="1400" b="1" dirty="0">
-                <a:solidFill>
-                  <a:schemeClr val="bg1"/>
-                </a:solidFill>
-                <a:latin typeface="-apple-system"/>
-              </a:rPr>
-              <a:t>Find the Newly Tagged Dataset: Method-2 using Visual Query Results</a:t>
-            </a:r>
-            <a:endParaRPr lang="en-US" sz="1400" dirty="0">
-              <a:solidFill>
-                <a:schemeClr val="bg1"/>
-              </a:solidFill>
-            </a:endParaRPr>
-          </a:p>
-        </p:txBody>
-      </p:sp>
       <p:pic>
         <p:nvPicPr>
           <p:cNvPr id="3" name="Picture 2">
             <a:extLst>
               <a:ext uri="{FF2B5EF4-FFF2-40B4-BE49-F238E27FC236}">
-                <a16:creationId xmlns:a16="http://schemas.microsoft.com/office/drawing/2014/main" id="{9DD78F1B-203B-4BE8-9CA1-D73AC42E7E0B}"/>
+                <a16:creationId xmlns:a16="http://schemas.microsoft.com/office/drawing/2014/main" id="{7ED9C5E9-0C55-405D-868C-79F420363A6A}"/>
               </a:ext>
             </a:extLst>
           </p:cNvPr>
@@ -4101,46 +4050,86 @@
         </p:blipFill>
         <p:spPr>
           <a:xfrm>
-            <a:off x="290945" y="731518"/>
-            <a:ext cx="11443856" cy="3094079"/>
+            <a:off x="-24939" y="656505"/>
+            <a:ext cx="12192000" cy="5544989"/>
           </a:xfrm>
           <a:prstGeom prst="rect">
             <a:avLst/>
           </a:prstGeom>
-          <a:ln>
-            <a:solidFill>
-              <a:schemeClr val="bg1">
-                <a:lumMod val="50000"/>
-              </a:schemeClr>
-            </a:solidFill>
-          </a:ln>
         </p:spPr>
       </p:pic>
       <p:sp>
         <p:nvSpPr>
-          <p:cNvPr id="7" name="Arrow: Right 6">
-            <a:extLst>
-              <a:ext uri="{FF2B5EF4-FFF2-40B4-BE49-F238E27FC236}">
-                <a16:creationId xmlns:a16="http://schemas.microsoft.com/office/drawing/2014/main" id="{251276BF-4DB8-41C1-A1F7-E20AB0C5657F}"/>
-              </a:ext>
-            </a:extLst>
-          </p:cNvPr>
-          <p:cNvSpPr/>
+          <p:cNvPr id="6" name="TextBox 5">
+            <a:extLst>
+              <a:ext uri="{FF2B5EF4-FFF2-40B4-BE49-F238E27FC236}">
+                <a16:creationId xmlns:a16="http://schemas.microsoft.com/office/drawing/2014/main" id="{47D66788-1B9A-4FDB-A37F-F4C3D8099C7E}"/>
+              </a:ext>
+            </a:extLst>
+          </p:cNvPr>
+          <p:cNvSpPr txBox="1"/>
           <p:nvPr/>
         </p:nvSpPr>
         <p:spPr>
           <a:xfrm>
-            <a:off x="187035" y="2506287"/>
-            <a:ext cx="374073" cy="290946"/>
-          </a:xfrm>
-          <a:prstGeom prst="rightArrow">
+            <a:off x="0" y="-12367"/>
+            <a:ext cx="12192000" cy="307777"/>
+          </a:xfrm>
+          <a:prstGeom prst="rect">
             <a:avLst/>
           </a:prstGeom>
           <a:solidFill>
-            <a:srgbClr val="FF0000"/>
+            <a:schemeClr val="tx1"/>
           </a:solidFill>
-          <a:ln>
-            <a:noFill/>
+        </p:spPr>
+        <p:txBody>
+          <a:bodyPr wrap="square">
+            <a:spAutoFit/>
+          </a:bodyPr>
+          <a:lstStyle/>
+          <a:p>
+            <a:r>
+              <a:rPr lang="en-US" sz="1400" b="1" dirty="0">
+                <a:solidFill>
+                  <a:schemeClr val="bg1"/>
+                </a:solidFill>
+                <a:latin typeface="-apple-system"/>
+              </a:rPr>
+              <a:t>Custom-tag the Selected Data to create a New Dataset “T101389-s1”: Result</a:t>
+            </a:r>
+            <a:endParaRPr lang="en-US" sz="1400" dirty="0">
+              <a:solidFill>
+                <a:schemeClr val="bg1"/>
+              </a:solidFill>
+            </a:endParaRPr>
+          </a:p>
+        </p:txBody>
+      </p:sp>
+      <p:sp>
+        <p:nvSpPr>
+          <p:cNvPr id="8" name="Rectangle 7">
+            <a:extLst>
+              <a:ext uri="{FF2B5EF4-FFF2-40B4-BE49-F238E27FC236}">
+                <a16:creationId xmlns:a16="http://schemas.microsoft.com/office/drawing/2014/main" id="{8B9646D7-2083-491E-8ADB-6E4820DC7751}"/>
+              </a:ext>
+            </a:extLst>
+          </p:cNvPr>
+          <p:cNvSpPr/>
+          <p:nvPr/>
+        </p:nvSpPr>
+        <p:spPr>
+          <a:xfrm>
+            <a:off x="8096598" y="2202872"/>
+            <a:ext cx="839584" cy="3740727"/>
+          </a:xfrm>
+          <a:prstGeom prst="rect">
+            <a:avLst/>
+          </a:prstGeom>
+          <a:noFill/>
+          <a:ln w="38100">
+            <a:solidFill>
+              <a:srgbClr val="FF0000"/>
+            </a:solidFill>
           </a:ln>
         </p:spPr>
         <p:style>
@@ -4168,12 +4157,89 @@
           </a:p>
         </p:txBody>
       </p:sp>
+    </p:spTree>
+    <p:extLst>
+      <p:ext uri="{BB962C8B-B14F-4D97-AF65-F5344CB8AC3E}">
+        <p14:creationId xmlns:p14="http://schemas.microsoft.com/office/powerpoint/2010/main" val="4032223569"/>
+      </p:ext>
+    </p:extLst>
+  </p:cSld>
+  <p:clrMapOvr>
+    <a:masterClrMapping/>
+  </p:clrMapOvr>
+</p:sld>
+</file>
+
+<file path=ppt/slides/slide13.xml><?xml version="1.0" encoding="utf-8"?>
+<p:sld xmlns:a="http://schemas.openxmlformats.org/drawingml/2006/main" xmlns:r="http://schemas.openxmlformats.org/officeDocument/2006/relationships" xmlns:p="http://schemas.openxmlformats.org/presentationml/2006/main">
+  <p:cSld>
+    <p:spTree>
+      <p:nvGrpSpPr>
+        <p:cNvPr id="1" name=""/>
+        <p:cNvGrpSpPr/>
+        <p:nvPr/>
+      </p:nvGrpSpPr>
+      <p:grpSpPr>
+        <a:xfrm>
+          <a:off x="0" y="0"/>
+          <a:ext cx="0" cy="0"/>
+          <a:chOff x="0" y="0"/>
+          <a:chExt cx="0" cy="0"/>
+        </a:xfrm>
+      </p:grpSpPr>
+      <p:sp>
+        <p:nvSpPr>
+          <p:cNvPr id="6" name="TextBox 5">
+            <a:extLst>
+              <a:ext uri="{FF2B5EF4-FFF2-40B4-BE49-F238E27FC236}">
+                <a16:creationId xmlns:a16="http://schemas.microsoft.com/office/drawing/2014/main" id="{EBB52298-5DC8-495B-A05C-C8E6A6AE32DD}"/>
+              </a:ext>
+            </a:extLst>
+          </p:cNvPr>
+          <p:cNvSpPr txBox="1"/>
+          <p:nvPr/>
+        </p:nvSpPr>
+        <p:spPr>
+          <a:xfrm>
+            <a:off x="0" y="-12367"/>
+            <a:ext cx="12192000" cy="307777"/>
+          </a:xfrm>
+          <a:prstGeom prst="rect">
+            <a:avLst/>
+          </a:prstGeom>
+          <a:solidFill>
+            <a:schemeClr val="tx1"/>
+          </a:solidFill>
+        </p:spPr>
+        <p:txBody>
+          <a:bodyPr wrap="square">
+            <a:spAutoFit/>
+          </a:bodyPr>
+          <a:lstStyle/>
+          <a:p>
+            <a:r>
+              <a:rPr lang="en-US" sz="1400" b="1" dirty="0">
+                <a:solidFill>
+                  <a:schemeClr val="bg1"/>
+                </a:solidFill>
+                <a:latin typeface="-apple-system"/>
+              </a:rPr>
+              <a:t>Find the Newly Tagged Dataset with Visual Query</a:t>
+            </a:r>
+            <a:endParaRPr lang="en-US" sz="1400" dirty="0">
+              <a:solidFill>
+                <a:schemeClr val="bg1"/>
+              </a:solidFill>
+            </a:endParaRPr>
+          </a:p>
+        </p:txBody>
+      </p:sp>
       <p:pic>
         <p:nvPicPr>
-          <p:cNvPr id="9" name="Picture 8">
-            <a:extLst>
-              <a:ext uri="{FF2B5EF4-FFF2-40B4-BE49-F238E27FC236}">
-                <a16:creationId xmlns:a16="http://schemas.microsoft.com/office/drawing/2014/main" id="{48492BAD-1497-4DD5-863A-D6392BE9C92E}"/>
+          <p:cNvPr id="3" name="Picture 2">
+            <a:extLst>
+              <a:ext uri="{FF2B5EF4-FFF2-40B4-BE49-F238E27FC236}">
+                <a16:creationId xmlns:a16="http://schemas.microsoft.com/office/drawing/2014/main" id="{2FBF80C2-0974-40A7-90AA-09884D8E1AB6}"/>
               </a:ext>
             </a:extLst>
           </p:cNvPr>
@@ -4183,34 +4249,27 @@
           <p:nvPr/>
         </p:nvPicPr>
         <p:blipFill>
-          <a:blip r:embed="rId3"/>
+          <a:blip r:embed="rId2"/>
           <a:stretch>
             <a:fillRect/>
           </a:stretch>
         </p:blipFill>
         <p:spPr>
           <a:xfrm>
-            <a:off x="3424844" y="4353145"/>
-            <a:ext cx="8309957" cy="1645118"/>
+            <a:off x="881149" y="1325700"/>
+            <a:ext cx="10429702" cy="4341695"/>
           </a:xfrm>
           <a:prstGeom prst="rect">
             <a:avLst/>
           </a:prstGeom>
-          <a:ln>
-            <a:solidFill>
-              <a:schemeClr val="bg1">
-                <a:lumMod val="50000"/>
-              </a:schemeClr>
-            </a:solidFill>
-          </a:ln>
         </p:spPr>
       </p:pic>
       <p:sp>
         <p:nvSpPr>
-          <p:cNvPr id="12" name="Arrow: Right 11">
-            <a:extLst>
-              <a:ext uri="{FF2B5EF4-FFF2-40B4-BE49-F238E27FC236}">
-                <a16:creationId xmlns:a16="http://schemas.microsoft.com/office/drawing/2014/main" id="{B9DE594C-6DAB-425B-A00D-CC5FE9780191}"/>
+          <p:cNvPr id="7" name="Arrow: Right 6">
+            <a:extLst>
+              <a:ext uri="{FF2B5EF4-FFF2-40B4-BE49-F238E27FC236}">
+                <a16:creationId xmlns:a16="http://schemas.microsoft.com/office/drawing/2014/main" id="{507FD1C4-B2B2-4689-B881-CFE28EA42A58}"/>
               </a:ext>
             </a:extLst>
           </p:cNvPr>
@@ -4218,8 +4277,378 @@
           <p:nvPr/>
         </p:nvSpPr>
         <p:spPr>
+          <a:xfrm>
+            <a:off x="532013" y="5166722"/>
+            <a:ext cx="374073" cy="290946"/>
+          </a:xfrm>
+          <a:prstGeom prst="rightArrow">
+            <a:avLst/>
+          </a:prstGeom>
+          <a:solidFill>
+            <a:srgbClr val="FF0000"/>
+          </a:solidFill>
+          <a:ln>
+            <a:noFill/>
+          </a:ln>
+        </p:spPr>
+        <p:style>
+          <a:lnRef idx="2">
+            <a:schemeClr val="accent1">
+              <a:shade val="50000"/>
+            </a:schemeClr>
+          </a:lnRef>
+          <a:fillRef idx="1">
+            <a:schemeClr val="accent1"/>
+          </a:fillRef>
+          <a:effectRef idx="0">
+            <a:schemeClr val="accent1"/>
+          </a:effectRef>
+          <a:fontRef idx="minor">
+            <a:schemeClr val="lt1"/>
+          </a:fontRef>
+        </p:style>
+        <p:txBody>
+          <a:bodyPr rtlCol="0" anchor="ctr"/>
+          <a:lstStyle/>
+          <a:p>
+            <a:pPr algn="ctr"/>
+            <a:endParaRPr lang="en-US"/>
+          </a:p>
+        </p:txBody>
+      </p:sp>
+    </p:spTree>
+    <p:extLst>
+      <p:ext uri="{BB962C8B-B14F-4D97-AF65-F5344CB8AC3E}">
+        <p14:creationId xmlns:p14="http://schemas.microsoft.com/office/powerpoint/2010/main" val="3147731059"/>
+      </p:ext>
+    </p:extLst>
+  </p:cSld>
+  <p:clrMapOvr>
+    <a:masterClrMapping/>
+  </p:clrMapOvr>
+</p:sld>
+</file>
+
+<file path=ppt/slides/slide14.xml><?xml version="1.0" encoding="utf-8"?>
+<p:sld xmlns:a="http://schemas.openxmlformats.org/drawingml/2006/main" xmlns:r="http://schemas.openxmlformats.org/officeDocument/2006/relationships" xmlns:p="http://schemas.openxmlformats.org/presentationml/2006/main">
+  <p:cSld>
+    <p:spTree>
+      <p:nvGrpSpPr>
+        <p:cNvPr id="1" name=""/>
+        <p:cNvGrpSpPr/>
+        <p:nvPr/>
+      </p:nvGrpSpPr>
+      <p:grpSpPr>
+        <a:xfrm>
+          <a:off x="0" y="0"/>
+          <a:ext cx="0" cy="0"/>
+          <a:chOff x="0" y="0"/>
+          <a:chExt cx="0" cy="0"/>
+        </a:xfrm>
+      </p:grpSpPr>
+      <p:sp>
+        <p:nvSpPr>
+          <p:cNvPr id="6" name="TextBox 5">
+            <a:extLst>
+              <a:ext uri="{FF2B5EF4-FFF2-40B4-BE49-F238E27FC236}">
+                <a16:creationId xmlns:a16="http://schemas.microsoft.com/office/drawing/2014/main" id="{EBB52298-5DC8-495B-A05C-C8E6A6AE32DD}"/>
+              </a:ext>
+            </a:extLst>
+          </p:cNvPr>
+          <p:cNvSpPr txBox="1"/>
+          <p:nvPr/>
+        </p:nvSpPr>
+        <p:spPr>
+          <a:xfrm>
+            <a:off x="0" y="-12367"/>
+            <a:ext cx="12192000" cy="307777"/>
+          </a:xfrm>
+          <a:prstGeom prst="rect">
+            <a:avLst/>
+          </a:prstGeom>
+          <a:solidFill>
+            <a:schemeClr val="tx1"/>
+          </a:solidFill>
+        </p:spPr>
+        <p:txBody>
+          <a:bodyPr wrap="square">
+            <a:spAutoFit/>
+          </a:bodyPr>
+          <a:lstStyle/>
+          <a:p>
+            <a:r>
+              <a:rPr lang="en-US" sz="1400" b="1" dirty="0">
+                <a:solidFill>
+                  <a:schemeClr val="bg1"/>
+                </a:solidFill>
+                <a:latin typeface="-apple-system"/>
+              </a:rPr>
+              <a:t>Find the Newly Tagged Dataset with Visual Query</a:t>
+            </a:r>
+            <a:endParaRPr lang="en-US" sz="1400" dirty="0">
+              <a:solidFill>
+                <a:schemeClr val="bg1"/>
+              </a:solidFill>
+            </a:endParaRPr>
+          </a:p>
+        </p:txBody>
+      </p:sp>
+      <p:pic>
+        <p:nvPicPr>
+          <p:cNvPr id="4" name="Picture 3">
+            <a:extLst>
+              <a:ext uri="{FF2B5EF4-FFF2-40B4-BE49-F238E27FC236}">
+                <a16:creationId xmlns:a16="http://schemas.microsoft.com/office/drawing/2014/main" id="{F293C105-DA80-4CDF-BF25-FF17876AE671}"/>
+              </a:ext>
+            </a:extLst>
+          </p:cNvPr>
+          <p:cNvPicPr>
+            <a:picLocks noChangeAspect="1"/>
+          </p:cNvPicPr>
+          <p:nvPr/>
+        </p:nvPicPr>
+        <p:blipFill>
+          <a:blip r:embed="rId2"/>
+          <a:stretch>
+            <a:fillRect/>
+          </a:stretch>
+        </p:blipFill>
+        <p:spPr>
+          <a:xfrm>
+            <a:off x="1355931" y="2189273"/>
+            <a:ext cx="9480137" cy="2200308"/>
+          </a:xfrm>
+          <a:prstGeom prst="rect">
+            <a:avLst/>
+          </a:prstGeom>
+        </p:spPr>
+      </p:pic>
+      <p:sp>
+        <p:nvSpPr>
+          <p:cNvPr id="8" name="Arrow: Right 7">
+            <a:extLst>
+              <a:ext uri="{FF2B5EF4-FFF2-40B4-BE49-F238E27FC236}">
+                <a16:creationId xmlns:a16="http://schemas.microsoft.com/office/drawing/2014/main" id="{D2CBD2C9-CB16-47D3-A408-699606D97716}"/>
+              </a:ext>
+            </a:extLst>
+          </p:cNvPr>
+          <p:cNvSpPr/>
+          <p:nvPr/>
+        </p:nvSpPr>
+        <p:spPr>
+          <a:xfrm>
+            <a:off x="1072339" y="3143954"/>
+            <a:ext cx="374073" cy="290946"/>
+          </a:xfrm>
+          <a:prstGeom prst="rightArrow">
+            <a:avLst/>
+          </a:prstGeom>
+          <a:solidFill>
+            <a:srgbClr val="FF0000"/>
+          </a:solidFill>
+          <a:ln>
+            <a:noFill/>
+          </a:ln>
+        </p:spPr>
+        <p:style>
+          <a:lnRef idx="2">
+            <a:schemeClr val="accent1">
+              <a:shade val="50000"/>
+            </a:schemeClr>
+          </a:lnRef>
+          <a:fillRef idx="1">
+            <a:schemeClr val="accent1"/>
+          </a:fillRef>
+          <a:effectRef idx="0">
+            <a:schemeClr val="accent1"/>
+          </a:effectRef>
+          <a:fontRef idx="minor">
+            <a:schemeClr val="lt1"/>
+          </a:fontRef>
+        </p:style>
+        <p:txBody>
+          <a:bodyPr rtlCol="0" anchor="ctr"/>
+          <a:lstStyle/>
+          <a:p>
+            <a:pPr algn="ctr"/>
+            <a:endParaRPr lang="en-US"/>
+          </a:p>
+        </p:txBody>
+      </p:sp>
+    </p:spTree>
+    <p:extLst>
+      <p:ext uri="{BB962C8B-B14F-4D97-AF65-F5344CB8AC3E}">
+        <p14:creationId xmlns:p14="http://schemas.microsoft.com/office/powerpoint/2010/main" val="940409178"/>
+      </p:ext>
+    </p:extLst>
+  </p:cSld>
+  <p:clrMapOvr>
+    <a:masterClrMapping/>
+  </p:clrMapOvr>
+</p:sld>
+</file>
+
+<file path=ppt/slides/slide15.xml><?xml version="1.0" encoding="utf-8"?>
+<p:sld xmlns:a="http://schemas.openxmlformats.org/drawingml/2006/main" xmlns:r="http://schemas.openxmlformats.org/officeDocument/2006/relationships" xmlns:p="http://schemas.openxmlformats.org/presentationml/2006/main">
+  <p:cSld>
+    <p:spTree>
+      <p:nvGrpSpPr>
+        <p:cNvPr id="1" name=""/>
+        <p:cNvGrpSpPr/>
+        <p:nvPr/>
+      </p:nvGrpSpPr>
+      <p:grpSpPr>
+        <a:xfrm>
+          <a:off x="0" y="0"/>
+          <a:ext cx="0" cy="0"/>
+          <a:chOff x="0" y="0"/>
+          <a:chExt cx="0" cy="0"/>
+        </a:xfrm>
+      </p:grpSpPr>
+      <p:pic>
+        <p:nvPicPr>
+          <p:cNvPr id="4" name="Picture 3">
+            <a:extLst>
+              <a:ext uri="{FF2B5EF4-FFF2-40B4-BE49-F238E27FC236}">
+                <a16:creationId xmlns:a16="http://schemas.microsoft.com/office/drawing/2014/main" id="{F5F97F38-D909-4A7B-A168-7C458D2DA0B4}"/>
+              </a:ext>
+            </a:extLst>
+          </p:cNvPr>
+          <p:cNvPicPr>
+            <a:picLocks noChangeAspect="1"/>
+          </p:cNvPicPr>
+          <p:nvPr/>
+        </p:nvPicPr>
+        <p:blipFill>
+          <a:blip r:embed="rId2"/>
+          <a:stretch>
+            <a:fillRect/>
+          </a:stretch>
+        </p:blipFill>
+        <p:spPr>
+          <a:xfrm>
+            <a:off x="612393" y="1269986"/>
+            <a:ext cx="10967214" cy="4557238"/>
+          </a:xfrm>
+          <a:prstGeom prst="rect">
+            <a:avLst/>
+          </a:prstGeom>
+        </p:spPr>
+      </p:pic>
+      <p:sp>
+        <p:nvSpPr>
+          <p:cNvPr id="6" name="TextBox 5">
+            <a:extLst>
+              <a:ext uri="{FF2B5EF4-FFF2-40B4-BE49-F238E27FC236}">
+                <a16:creationId xmlns:a16="http://schemas.microsoft.com/office/drawing/2014/main" id="{EBB52298-5DC8-495B-A05C-C8E6A6AE32DD}"/>
+              </a:ext>
+            </a:extLst>
+          </p:cNvPr>
+          <p:cNvSpPr txBox="1"/>
+          <p:nvPr/>
+        </p:nvSpPr>
+        <p:spPr>
+          <a:xfrm>
+            <a:off x="0" y="-12367"/>
+            <a:ext cx="12192000" cy="307777"/>
+          </a:xfrm>
+          <a:prstGeom prst="rect">
+            <a:avLst/>
+          </a:prstGeom>
+          <a:solidFill>
+            <a:schemeClr val="tx1"/>
+          </a:solidFill>
+        </p:spPr>
+        <p:txBody>
+          <a:bodyPr wrap="square">
+            <a:spAutoFit/>
+          </a:bodyPr>
+          <a:lstStyle/>
+          <a:p>
+            <a:r>
+              <a:rPr lang="en-US" sz="1400" b="1" dirty="0">
+                <a:solidFill>
+                  <a:schemeClr val="bg1"/>
+                </a:solidFill>
+                <a:latin typeface="-apple-system"/>
+              </a:rPr>
+              <a:t>Find the Newly Tagged Dataset: Method-2 using Visual Query Results</a:t>
+            </a:r>
+            <a:endParaRPr lang="en-US" sz="1400" dirty="0">
+              <a:solidFill>
+                <a:schemeClr val="bg1"/>
+              </a:solidFill>
+            </a:endParaRPr>
+          </a:p>
+        </p:txBody>
+      </p:sp>
+      <p:sp>
+        <p:nvSpPr>
+          <p:cNvPr id="7" name="Arrow: Right 6">
+            <a:extLst>
+              <a:ext uri="{FF2B5EF4-FFF2-40B4-BE49-F238E27FC236}">
+                <a16:creationId xmlns:a16="http://schemas.microsoft.com/office/drawing/2014/main" id="{251276BF-4DB8-41C1-A1F7-E20AB0C5657F}"/>
+              </a:ext>
+            </a:extLst>
+          </p:cNvPr>
+          <p:cNvSpPr/>
+          <p:nvPr/>
+        </p:nvSpPr>
+        <p:spPr>
+          <a:xfrm>
+            <a:off x="344977" y="3404062"/>
+            <a:ext cx="374073" cy="290946"/>
+          </a:xfrm>
+          <a:prstGeom prst="rightArrow">
+            <a:avLst/>
+          </a:prstGeom>
+          <a:solidFill>
+            <a:srgbClr val="FF0000"/>
+          </a:solidFill>
+          <a:ln>
+            <a:noFill/>
+          </a:ln>
+        </p:spPr>
+        <p:style>
+          <a:lnRef idx="2">
+            <a:schemeClr val="accent1">
+              <a:shade val="50000"/>
+            </a:schemeClr>
+          </a:lnRef>
+          <a:fillRef idx="1">
+            <a:schemeClr val="accent1"/>
+          </a:fillRef>
+          <a:effectRef idx="0">
+            <a:schemeClr val="accent1"/>
+          </a:effectRef>
+          <a:fontRef idx="minor">
+            <a:schemeClr val="lt1"/>
+          </a:fontRef>
+        </p:style>
+        <p:txBody>
+          <a:bodyPr rtlCol="0" anchor="ctr"/>
+          <a:lstStyle/>
+          <a:p>
+            <a:pPr algn="ctr"/>
+            <a:endParaRPr lang="en-US"/>
+          </a:p>
+        </p:txBody>
+      </p:sp>
+      <p:sp>
+        <p:nvSpPr>
+          <p:cNvPr id="12" name="Arrow: Right 11">
+            <a:extLst>
+              <a:ext uri="{FF2B5EF4-FFF2-40B4-BE49-F238E27FC236}">
+                <a16:creationId xmlns:a16="http://schemas.microsoft.com/office/drawing/2014/main" id="{B9DE594C-6DAB-425B-A00D-CC5FE9780191}"/>
+              </a:ext>
+            </a:extLst>
+          </p:cNvPr>
+          <p:cNvSpPr/>
+          <p:nvPr/>
+        </p:nvSpPr>
+        <p:spPr>
           <a:xfrm rot="5400000">
-            <a:off x="7538260" y="3929196"/>
+            <a:off x="8061962" y="2765416"/>
             <a:ext cx="374073" cy="290946"/>
           </a:xfrm>
           <a:prstGeom prst="rightArrow">
@@ -4287,12 +4716,60 @@
           <a:chExt cx="0" cy="0"/>
         </a:xfrm>
       </p:grpSpPr>
+      <p:sp>
+        <p:nvSpPr>
+          <p:cNvPr id="7" name="TextBox 6">
+            <a:extLst>
+              <a:ext uri="{FF2B5EF4-FFF2-40B4-BE49-F238E27FC236}">
+                <a16:creationId xmlns:a16="http://schemas.microsoft.com/office/drawing/2014/main" id="{ADD53216-F8C2-4BEE-A389-6335EE6FECF5}"/>
+              </a:ext>
+            </a:extLst>
+          </p:cNvPr>
+          <p:cNvSpPr txBox="1"/>
+          <p:nvPr/>
+        </p:nvSpPr>
+        <p:spPr>
+          <a:xfrm>
+            <a:off x="0" y="0"/>
+            <a:ext cx="12192000" cy="307777"/>
+          </a:xfrm>
+          <a:prstGeom prst="rect">
+            <a:avLst/>
+          </a:prstGeom>
+          <a:solidFill>
+            <a:schemeClr val="tx1"/>
+          </a:solidFill>
+        </p:spPr>
+        <p:txBody>
+          <a:bodyPr wrap="square">
+            <a:spAutoFit/>
+          </a:bodyPr>
+          <a:lstStyle/>
+          <a:p>
+            <a:r>
+              <a:rPr lang="en-US" sz="1400" b="1" i="0" dirty="0">
+                <a:solidFill>
+                  <a:schemeClr val="bg1"/>
+                </a:solidFill>
+                <a:effectLst/>
+                <a:latin typeface="-apple-system"/>
+              </a:rPr>
+              <a:t>Upload Dataset to Cloud Object Storage Bucket</a:t>
+            </a:r>
+            <a:endParaRPr lang="en-US" sz="1400" dirty="0">
+              <a:solidFill>
+                <a:schemeClr val="bg1"/>
+              </a:solidFill>
+            </a:endParaRPr>
+          </a:p>
+        </p:txBody>
+      </p:sp>
       <p:pic>
         <p:nvPicPr>
-          <p:cNvPr id="5" name="Picture 4">
-            <a:extLst>
-              <a:ext uri="{FF2B5EF4-FFF2-40B4-BE49-F238E27FC236}">
-                <a16:creationId xmlns:a16="http://schemas.microsoft.com/office/drawing/2014/main" id="{C5A3DB49-B6B2-4B7A-8000-F9FEA833FC65}"/>
+          <p:cNvPr id="3" name="Picture 2">
+            <a:extLst>
+              <a:ext uri="{FF2B5EF4-FFF2-40B4-BE49-F238E27FC236}">
+                <a16:creationId xmlns:a16="http://schemas.microsoft.com/office/drawing/2014/main" id="{EF6A1382-80D3-4A28-8B11-07D2C8A23A9F}"/>
               </a:ext>
             </a:extLst>
           </p:cNvPr>
@@ -4309,69 +4786,14 @@
         </p:blipFill>
         <p:spPr>
           <a:xfrm>
-            <a:off x="553212" y="736912"/>
-            <a:ext cx="5691698" cy="3776899"/>
+            <a:off x="334045" y="870238"/>
+            <a:ext cx="4635888" cy="2881554"/>
           </a:xfrm>
           <a:prstGeom prst="rect">
             <a:avLst/>
           </a:prstGeom>
-          <a:ln>
-            <a:solidFill>
-              <a:schemeClr val="bg1">
-                <a:lumMod val="50000"/>
-              </a:schemeClr>
-            </a:solidFill>
-          </a:ln>
         </p:spPr>
       </p:pic>
-      <p:sp>
-        <p:nvSpPr>
-          <p:cNvPr id="7" name="TextBox 6">
-            <a:extLst>
-              <a:ext uri="{FF2B5EF4-FFF2-40B4-BE49-F238E27FC236}">
-                <a16:creationId xmlns:a16="http://schemas.microsoft.com/office/drawing/2014/main" id="{ADD53216-F8C2-4BEE-A389-6335EE6FECF5}"/>
-              </a:ext>
-            </a:extLst>
-          </p:cNvPr>
-          <p:cNvSpPr txBox="1"/>
-          <p:nvPr/>
-        </p:nvSpPr>
-        <p:spPr>
-          <a:xfrm>
-            <a:off x="0" y="0"/>
-            <a:ext cx="12192000" cy="307777"/>
-          </a:xfrm>
-          <a:prstGeom prst="rect">
-            <a:avLst/>
-          </a:prstGeom>
-          <a:solidFill>
-            <a:schemeClr val="tx1"/>
-          </a:solidFill>
-        </p:spPr>
-        <p:txBody>
-          <a:bodyPr wrap="square">
-            <a:spAutoFit/>
-          </a:bodyPr>
-          <a:lstStyle/>
-          <a:p>
-            <a:r>
-              <a:rPr lang="en-US" sz="1400" b="1" i="0" dirty="0">
-                <a:solidFill>
-                  <a:schemeClr val="bg1"/>
-                </a:solidFill>
-                <a:effectLst/>
-                <a:latin typeface="-apple-system"/>
-              </a:rPr>
-              <a:t>Upload Dataset to Cloud Object Storage Bucket</a:t>
-            </a:r>
-            <a:endParaRPr lang="en-US" sz="1400" dirty="0">
-              <a:solidFill>
-                <a:schemeClr val="bg1"/>
-              </a:solidFill>
-            </a:endParaRPr>
-          </a:p>
-        </p:txBody>
-      </p:sp>
     </p:spTree>
     <p:extLst>
       <p:ext uri="{BB962C8B-B14F-4D97-AF65-F5344CB8AC3E}">
@@ -4402,12 +4824,60 @@
           <a:chExt cx="0" cy="0"/>
         </a:xfrm>
       </p:grpSpPr>
+      <p:sp>
+        <p:nvSpPr>
+          <p:cNvPr id="6" name="TextBox 5">
+            <a:extLst>
+              <a:ext uri="{FF2B5EF4-FFF2-40B4-BE49-F238E27FC236}">
+                <a16:creationId xmlns:a16="http://schemas.microsoft.com/office/drawing/2014/main" id="{2C599F7C-66A7-4AF4-A29A-1C68A4539677}"/>
+              </a:ext>
+            </a:extLst>
+          </p:cNvPr>
+          <p:cNvSpPr txBox="1"/>
+          <p:nvPr/>
+        </p:nvSpPr>
+        <p:spPr>
+          <a:xfrm>
+            <a:off x="0" y="0"/>
+            <a:ext cx="12192000" cy="307777"/>
+          </a:xfrm>
+          <a:prstGeom prst="rect">
+            <a:avLst/>
+          </a:prstGeom>
+          <a:solidFill>
+            <a:schemeClr val="tx1"/>
+          </a:solidFill>
+        </p:spPr>
+        <p:txBody>
+          <a:bodyPr wrap="square">
+            <a:spAutoFit/>
+          </a:bodyPr>
+          <a:lstStyle/>
+          <a:p>
+            <a:r>
+              <a:rPr lang="en-US" sz="1400" b="1" i="0" dirty="0">
+                <a:solidFill>
+                  <a:schemeClr val="bg1"/>
+                </a:solidFill>
+                <a:effectLst/>
+                <a:latin typeface="-apple-system"/>
+              </a:rPr>
+              <a:t>Upload Manifest to Cloud Object Storage Bucket</a:t>
+            </a:r>
+            <a:endParaRPr lang="en-US" sz="1400" dirty="0">
+              <a:solidFill>
+                <a:schemeClr val="bg1"/>
+              </a:solidFill>
+            </a:endParaRPr>
+          </a:p>
+        </p:txBody>
+      </p:sp>
       <p:pic>
         <p:nvPicPr>
-          <p:cNvPr id="4" name="Picture 3">
-            <a:extLst>
-              <a:ext uri="{FF2B5EF4-FFF2-40B4-BE49-F238E27FC236}">
-                <a16:creationId xmlns:a16="http://schemas.microsoft.com/office/drawing/2014/main" id="{F2201AA5-3190-42DF-BE1F-F8F679E09CCA}"/>
+          <p:cNvPr id="7" name="Picture 6">
+            <a:extLst>
+              <a:ext uri="{FF2B5EF4-FFF2-40B4-BE49-F238E27FC236}">
+                <a16:creationId xmlns:a16="http://schemas.microsoft.com/office/drawing/2014/main" id="{74E12564-D445-4273-B996-7F8590616603}"/>
               </a:ext>
             </a:extLst>
           </p:cNvPr>
@@ -4424,62 +4894,51 @@
         </p:blipFill>
         <p:spPr>
           <a:xfrm>
-            <a:off x="310151" y="825710"/>
-            <a:ext cx="10496395" cy="2538745"/>
+            <a:off x="399256" y="4168171"/>
+            <a:ext cx="5027878" cy="1706788"/>
           </a:xfrm>
           <a:prstGeom prst="rect">
             <a:avLst/>
           </a:prstGeom>
+          <a:ln>
+            <a:solidFill>
+              <a:schemeClr val="bg1">
+                <a:lumMod val="50000"/>
+              </a:schemeClr>
+            </a:solidFill>
+          </a:ln>
         </p:spPr>
       </p:pic>
-      <p:sp>
-        <p:nvSpPr>
-          <p:cNvPr id="6" name="TextBox 5">
-            <a:extLst>
-              <a:ext uri="{FF2B5EF4-FFF2-40B4-BE49-F238E27FC236}">
-                <a16:creationId xmlns:a16="http://schemas.microsoft.com/office/drawing/2014/main" id="{2C599F7C-66A7-4AF4-A29A-1C68A4539677}"/>
-              </a:ext>
-            </a:extLst>
-          </p:cNvPr>
-          <p:cNvSpPr txBox="1"/>
+      <p:pic>
+        <p:nvPicPr>
+          <p:cNvPr id="9" name="Picture 8">
+            <a:extLst>
+              <a:ext uri="{FF2B5EF4-FFF2-40B4-BE49-F238E27FC236}">
+                <a16:creationId xmlns:a16="http://schemas.microsoft.com/office/drawing/2014/main" id="{930B2545-BA43-4EC5-BA4A-607834BB2FB3}"/>
+              </a:ext>
+            </a:extLst>
+          </p:cNvPr>
+          <p:cNvPicPr>
+            <a:picLocks noChangeAspect="1"/>
+          </p:cNvPicPr>
           <p:nvPr/>
-        </p:nvSpPr>
-        <p:spPr>
-          <a:xfrm>
-            <a:off x="0" y="0"/>
-            <a:ext cx="12192000" cy="307777"/>
+        </p:nvPicPr>
+        <p:blipFill>
+          <a:blip r:embed="rId3"/>
+          <a:stretch>
+            <a:fillRect/>
+          </a:stretch>
+        </p:blipFill>
+        <p:spPr>
+          <a:xfrm>
+            <a:off x="399256" y="708391"/>
+            <a:ext cx="7547711" cy="2829293"/>
           </a:xfrm>
           <a:prstGeom prst="rect">
             <a:avLst/>
           </a:prstGeom>
-          <a:solidFill>
-            <a:schemeClr val="tx1"/>
-          </a:solidFill>
-        </p:spPr>
-        <p:txBody>
-          <a:bodyPr wrap="square">
-            <a:spAutoFit/>
-          </a:bodyPr>
-          <a:lstStyle/>
-          <a:p>
-            <a:r>
-              <a:rPr lang="en-US" sz="1400" b="1" i="0" dirty="0">
-                <a:solidFill>
-                  <a:schemeClr val="bg1"/>
-                </a:solidFill>
-                <a:effectLst/>
-                <a:latin typeface="-apple-system"/>
-              </a:rPr>
-              <a:t>Upload Manifest to Cloud Object Storage Bucket</a:t>
-            </a:r>
-            <a:endParaRPr lang="en-US" sz="1400" dirty="0">
-              <a:solidFill>
-                <a:schemeClr val="bg1"/>
-              </a:solidFill>
-            </a:endParaRPr>
-          </a:p>
-        </p:txBody>
-      </p:sp>
+        </p:spPr>
+      </p:pic>
     </p:spTree>
     <p:extLst>
       <p:ext uri="{BB962C8B-B14F-4D97-AF65-F5344CB8AC3E}">
@@ -4560,10 +5019,10 @@
       </p:sp>
       <p:pic>
         <p:nvPicPr>
-          <p:cNvPr id="11" name="Picture 10">
-            <a:extLst>
-              <a:ext uri="{FF2B5EF4-FFF2-40B4-BE49-F238E27FC236}">
-                <a16:creationId xmlns:a16="http://schemas.microsoft.com/office/drawing/2014/main" id="{B7131112-D9F3-4596-AECA-4BFD97B6971E}"/>
+          <p:cNvPr id="3" name="Picture 2">
+            <a:extLst>
+              <a:ext uri="{FF2B5EF4-FFF2-40B4-BE49-F238E27FC236}">
+                <a16:creationId xmlns:a16="http://schemas.microsoft.com/office/drawing/2014/main" id="{4052F0EE-74EC-43DA-A85A-999AC5769953}"/>
               </a:ext>
             </a:extLst>
           </p:cNvPr>
@@ -4580,14 +5039,66 @@
         </p:blipFill>
         <p:spPr>
           <a:xfrm>
-            <a:off x="746233" y="806128"/>
-            <a:ext cx="8204006" cy="5546491"/>
+            <a:off x="1076448" y="798021"/>
+            <a:ext cx="7116603" cy="5434210"/>
           </a:xfrm>
           <a:prstGeom prst="rect">
             <a:avLst/>
           </a:prstGeom>
         </p:spPr>
       </p:pic>
+      <p:sp>
+        <p:nvSpPr>
+          <p:cNvPr id="6" name="Arrow: Right 5">
+            <a:extLst>
+              <a:ext uri="{FF2B5EF4-FFF2-40B4-BE49-F238E27FC236}">
+                <a16:creationId xmlns:a16="http://schemas.microsoft.com/office/drawing/2014/main" id="{4A9F97D9-B54B-43B9-B83A-E8FA169B1F04}"/>
+              </a:ext>
+            </a:extLst>
+          </p:cNvPr>
+          <p:cNvSpPr/>
+          <p:nvPr/>
+        </p:nvSpPr>
+        <p:spPr>
+          <a:xfrm>
+            <a:off x="1454726" y="2119746"/>
+            <a:ext cx="374073" cy="290946"/>
+          </a:xfrm>
+          <a:prstGeom prst="rightArrow">
+            <a:avLst/>
+          </a:prstGeom>
+          <a:solidFill>
+            <a:srgbClr val="FF0000"/>
+          </a:solidFill>
+          <a:ln>
+            <a:noFill/>
+          </a:ln>
+        </p:spPr>
+        <p:style>
+          <a:lnRef idx="2">
+            <a:schemeClr val="accent1">
+              <a:shade val="50000"/>
+            </a:schemeClr>
+          </a:lnRef>
+          <a:fillRef idx="1">
+            <a:schemeClr val="accent1"/>
+          </a:fillRef>
+          <a:effectRef idx="0">
+            <a:schemeClr val="accent1"/>
+          </a:effectRef>
+          <a:fontRef idx="minor">
+            <a:schemeClr val="lt1"/>
+          </a:fontRef>
+        </p:style>
+        <p:txBody>
+          <a:bodyPr rtlCol="0" anchor="ctr"/>
+          <a:lstStyle/>
+          <a:p>
+            <a:pPr algn="ctr"/>
+            <a:endParaRPr lang="en-US"/>
+          </a:p>
+        </p:txBody>
+      </p:sp>
     </p:spTree>
     <p:extLst>
       <p:ext uri="{BB962C8B-B14F-4D97-AF65-F5344CB8AC3E}">
@@ -4668,10 +5179,10 @@
       </p:sp>
       <p:pic>
         <p:nvPicPr>
-          <p:cNvPr id="11" name="Picture 10">
-            <a:extLst>
-              <a:ext uri="{FF2B5EF4-FFF2-40B4-BE49-F238E27FC236}">
-                <a16:creationId xmlns:a16="http://schemas.microsoft.com/office/drawing/2014/main" id="{FD511A84-2C04-4DF8-A560-0D169A516EF4}"/>
+          <p:cNvPr id="3" name="Picture 2">
+            <a:extLst>
+              <a:ext uri="{FF2B5EF4-FFF2-40B4-BE49-F238E27FC236}">
+                <a16:creationId xmlns:a16="http://schemas.microsoft.com/office/drawing/2014/main" id="{93AFD8B3-EA4E-47A6-866F-2AF78180476F}"/>
               </a:ext>
             </a:extLst>
           </p:cNvPr>
@@ -4688,19 +5199,12 @@
         </p:blipFill>
         <p:spPr>
           <a:xfrm>
-            <a:off x="382386" y="1080466"/>
-            <a:ext cx="11272058" cy="5049719"/>
+            <a:off x="0" y="802689"/>
+            <a:ext cx="12192000" cy="5252621"/>
           </a:xfrm>
           <a:prstGeom prst="rect">
             <a:avLst/>
           </a:prstGeom>
-          <a:ln>
-            <a:solidFill>
-              <a:schemeClr val="bg1">
-                <a:lumMod val="50000"/>
-              </a:schemeClr>
-            </a:solidFill>
-          </a:ln>
         </p:spPr>
       </p:pic>
     </p:spTree>
@@ -4783,10 +5287,10 @@
       </p:sp>
       <p:pic>
         <p:nvPicPr>
-          <p:cNvPr id="14" name="Picture 13">
-            <a:extLst>
-              <a:ext uri="{FF2B5EF4-FFF2-40B4-BE49-F238E27FC236}">
-                <a16:creationId xmlns:a16="http://schemas.microsoft.com/office/drawing/2014/main" id="{500F7A43-965B-4962-B7B9-93C46545D745}"/>
+          <p:cNvPr id="5" name="Picture 4">
+            <a:extLst>
+              <a:ext uri="{FF2B5EF4-FFF2-40B4-BE49-F238E27FC236}">
+                <a16:creationId xmlns:a16="http://schemas.microsoft.com/office/drawing/2014/main" id="{F43918DA-818E-4C33-A5A6-1255E5C81F72}"/>
               </a:ext>
             </a:extLst>
           </p:cNvPr>
@@ -4803,8 +5307,8 @@
         </p:blipFill>
         <p:spPr>
           <a:xfrm>
-            <a:off x="179794" y="815035"/>
-            <a:ext cx="7077218" cy="1406917"/>
+            <a:off x="328328" y="831842"/>
+            <a:ext cx="9272872" cy="1579823"/>
           </a:xfrm>
           <a:prstGeom prst="rect">
             <a:avLst/>
@@ -4841,60 +5345,12 @@
           <a:chExt cx="0" cy="0"/>
         </a:xfrm>
       </p:grpSpPr>
-      <p:sp>
-        <p:nvSpPr>
-          <p:cNvPr id="6" name="TextBox 5">
-            <a:extLst>
-              <a:ext uri="{FF2B5EF4-FFF2-40B4-BE49-F238E27FC236}">
-                <a16:creationId xmlns:a16="http://schemas.microsoft.com/office/drawing/2014/main" id="{EBB52298-5DC8-495B-A05C-C8E6A6AE32DD}"/>
-              </a:ext>
-            </a:extLst>
-          </p:cNvPr>
-          <p:cNvSpPr txBox="1"/>
-          <p:nvPr/>
-        </p:nvSpPr>
-        <p:spPr>
-          <a:xfrm>
-            <a:off x="0" y="0"/>
-            <a:ext cx="12192000" cy="307777"/>
-          </a:xfrm>
-          <a:prstGeom prst="rect">
-            <a:avLst/>
-          </a:prstGeom>
-          <a:solidFill>
-            <a:schemeClr val="tx1"/>
-          </a:solidFill>
-        </p:spPr>
-        <p:txBody>
-          <a:bodyPr wrap="square">
-            <a:spAutoFit/>
-          </a:bodyPr>
-          <a:lstStyle/>
-          <a:p>
-            <a:r>
-              <a:rPr lang="en-US" sz="1400" b="1" i="0" dirty="0">
-                <a:solidFill>
-                  <a:schemeClr val="bg1"/>
-                </a:solidFill>
-                <a:effectLst/>
-                <a:latin typeface="-apple-system"/>
-              </a:rPr>
-              <a:t>Create IMPORT_TAGS Policy: Result-1 </a:t>
-            </a:r>
-            <a:endParaRPr lang="en-US" sz="1400" dirty="0">
-              <a:solidFill>
-                <a:schemeClr val="bg1"/>
-              </a:solidFill>
-            </a:endParaRPr>
-          </a:p>
-        </p:txBody>
-      </p:sp>
       <p:pic>
         <p:nvPicPr>
-          <p:cNvPr id="3" name="Picture 2">
-            <a:extLst>
-              <a:ext uri="{FF2B5EF4-FFF2-40B4-BE49-F238E27FC236}">
-                <a16:creationId xmlns:a16="http://schemas.microsoft.com/office/drawing/2014/main" id="{C20D189E-6169-42A4-ABB2-4843CE424AD0}"/>
+          <p:cNvPr id="4" name="Picture 3">
+            <a:extLst>
+              <a:ext uri="{FF2B5EF4-FFF2-40B4-BE49-F238E27FC236}">
+                <a16:creationId xmlns:a16="http://schemas.microsoft.com/office/drawing/2014/main" id="{9964CE3B-C40A-45EA-B567-4822CCB37D61}"/>
               </a:ext>
             </a:extLst>
           </p:cNvPr>
@@ -4911,21 +5367,62 @@
         </p:blipFill>
         <p:spPr>
           <a:xfrm>
-            <a:off x="426720" y="1248670"/>
-            <a:ext cx="11338560" cy="4550570"/>
+            <a:off x="417565" y="1360461"/>
+            <a:ext cx="11624807" cy="4657954"/>
           </a:xfrm>
           <a:prstGeom prst="rect">
             <a:avLst/>
           </a:prstGeom>
-          <a:ln>
-            <a:solidFill>
-              <a:schemeClr val="bg1">
-                <a:lumMod val="50000"/>
-              </a:schemeClr>
-            </a:solidFill>
-          </a:ln>
         </p:spPr>
       </p:pic>
+      <p:sp>
+        <p:nvSpPr>
+          <p:cNvPr id="6" name="TextBox 5">
+            <a:extLst>
+              <a:ext uri="{FF2B5EF4-FFF2-40B4-BE49-F238E27FC236}">
+                <a16:creationId xmlns:a16="http://schemas.microsoft.com/office/drawing/2014/main" id="{EBB52298-5DC8-495B-A05C-C8E6A6AE32DD}"/>
+              </a:ext>
+            </a:extLst>
+          </p:cNvPr>
+          <p:cNvSpPr txBox="1"/>
+          <p:nvPr/>
+        </p:nvSpPr>
+        <p:spPr>
+          <a:xfrm>
+            <a:off x="0" y="0"/>
+            <a:ext cx="12192000" cy="307777"/>
+          </a:xfrm>
+          <a:prstGeom prst="rect">
+            <a:avLst/>
+          </a:prstGeom>
+          <a:solidFill>
+            <a:schemeClr val="tx1"/>
+          </a:solidFill>
+        </p:spPr>
+        <p:txBody>
+          <a:bodyPr wrap="square">
+            <a:spAutoFit/>
+          </a:bodyPr>
+          <a:lstStyle/>
+          <a:p>
+            <a:r>
+              <a:rPr lang="en-US" sz="1400" b="1" i="0" dirty="0">
+                <a:solidFill>
+                  <a:schemeClr val="bg1"/>
+                </a:solidFill>
+                <a:effectLst/>
+                <a:latin typeface="-apple-system"/>
+              </a:rPr>
+              <a:t>Create IMPORT_TAGS Policy: Result-1 </a:t>
+            </a:r>
+            <a:endParaRPr lang="en-US" sz="1400" dirty="0">
+              <a:solidFill>
+                <a:schemeClr val="bg1"/>
+              </a:solidFill>
+            </a:endParaRPr>
+          </a:p>
+        </p:txBody>
+      </p:sp>
       <p:sp>
         <p:nvSpPr>
           <p:cNvPr id="5" name="Arrow: Right 4">
@@ -5058,10 +5555,10 @@
       </p:sp>
       <p:pic>
         <p:nvPicPr>
-          <p:cNvPr id="4" name="Picture 3">
-            <a:extLst>
-              <a:ext uri="{FF2B5EF4-FFF2-40B4-BE49-F238E27FC236}">
-                <a16:creationId xmlns:a16="http://schemas.microsoft.com/office/drawing/2014/main" id="{F8AD85C7-6742-4069-A714-B099B251BC56}"/>
+          <p:cNvPr id="3" name="Picture 2">
+            <a:extLst>
+              <a:ext uri="{FF2B5EF4-FFF2-40B4-BE49-F238E27FC236}">
+                <a16:creationId xmlns:a16="http://schemas.microsoft.com/office/drawing/2014/main" id="{24AD8125-3EEF-4E46-B694-42DD27F6961A}"/>
               </a:ext>
             </a:extLst>
           </p:cNvPr>
@@ -5078,27 +5575,20 @@
         </p:blipFill>
         <p:spPr>
           <a:xfrm>
-            <a:off x="457200" y="1149530"/>
-            <a:ext cx="10947862" cy="4691941"/>
+            <a:off x="540327" y="859089"/>
+            <a:ext cx="11103033" cy="3272673"/>
           </a:xfrm>
           <a:prstGeom prst="rect">
             <a:avLst/>
           </a:prstGeom>
-          <a:ln>
-            <a:solidFill>
-              <a:schemeClr val="bg1">
-                <a:lumMod val="50000"/>
-              </a:schemeClr>
-            </a:solidFill>
-          </a:ln>
         </p:spPr>
       </p:pic>
       <p:sp>
         <p:nvSpPr>
-          <p:cNvPr id="7" name="Arrow: Right 6">
-            <a:extLst>
-              <a:ext uri="{FF2B5EF4-FFF2-40B4-BE49-F238E27FC236}">
-                <a16:creationId xmlns:a16="http://schemas.microsoft.com/office/drawing/2014/main" id="{472490C7-DFCC-4C5F-BCDC-25A7652652AD}"/>
+          <p:cNvPr id="8" name="Arrow: Right 7">
+            <a:extLst>
+              <a:ext uri="{FF2B5EF4-FFF2-40B4-BE49-F238E27FC236}">
+                <a16:creationId xmlns:a16="http://schemas.microsoft.com/office/drawing/2014/main" id="{4B2F68A4-EA34-41C8-A302-BCC1AB76549A}"/>
               </a:ext>
             </a:extLst>
           </p:cNvPr>
@@ -5107,7 +5597,7 @@
         </p:nvSpPr>
         <p:spPr>
           <a:xfrm>
-            <a:off x="166254" y="2660073"/>
+            <a:off x="353290" y="2626822"/>
             <a:ext cx="374073" cy="290946"/>
           </a:xfrm>
           <a:prstGeom prst="rightArrow">
